--- a/tmplt.pptx
+++ b/tmplt.pptx
@@ -134,7 +134,7 @@
           <p:cNvPr id="2" name="Заголовок 1">
             <a:extLst>
               <a:ext uri="{FF2B5EF4-FFF2-40B4-BE49-F238E27FC236}">
-                <a16:creationId xmlns:a16="http://schemas.microsoft.com/office/drawing/2014/main" id="{B9BEFA3A-1CD9-4024-BA55-E6D2DF639541}"/>
+                <a16:creationId xmlns="" xmlns:a16="http://schemas.microsoft.com/office/drawing/2014/main" id="{B9BEFA3A-1CD9-4024-BA55-E6D2DF639541}"/>
               </a:ext>
             </a:extLst>
           </p:cNvPr>
@@ -171,7 +171,7 @@
           <p:cNvPr id="3" name="Подзаголовок 2">
             <a:extLst>
               <a:ext uri="{FF2B5EF4-FFF2-40B4-BE49-F238E27FC236}">
-                <a16:creationId xmlns:a16="http://schemas.microsoft.com/office/drawing/2014/main" id="{930BD6D6-864E-4363-B4FB-1B18EEBF3339}"/>
+                <a16:creationId xmlns="" xmlns:a16="http://schemas.microsoft.com/office/drawing/2014/main" id="{930BD6D6-864E-4363-B4FB-1B18EEBF3339}"/>
               </a:ext>
             </a:extLst>
           </p:cNvPr>
@@ -241,7 +241,7 @@
           <p:cNvPr id="4" name="Дата 3">
             <a:extLst>
               <a:ext uri="{FF2B5EF4-FFF2-40B4-BE49-F238E27FC236}">
-                <a16:creationId xmlns:a16="http://schemas.microsoft.com/office/drawing/2014/main" id="{3CA77FB0-A6ED-4E15-A286-1BC600DB39FD}"/>
+                <a16:creationId xmlns="" xmlns:a16="http://schemas.microsoft.com/office/drawing/2014/main" id="{3CA77FB0-A6ED-4E15-A286-1BC600DB39FD}"/>
               </a:ext>
             </a:extLst>
           </p:cNvPr>
@@ -259,7 +259,7 @@
           <a:p>
             <a:fld id="{B7C4CDC5-2E67-4811-84B6-DF2A1F54FDDB}" type="datetimeFigureOut">
               <a:rPr lang="ru-RU" smtClean="0"/>
-              <a:t>21.10.2021</a:t>
+              <a:t>21.03.2022</a:t>
             </a:fld>
             <a:endParaRPr lang="ru-RU"/>
           </a:p>
@@ -270,7 +270,7 @@
           <p:cNvPr id="5" name="Нижний колонтитул 4">
             <a:extLst>
               <a:ext uri="{FF2B5EF4-FFF2-40B4-BE49-F238E27FC236}">
-                <a16:creationId xmlns:a16="http://schemas.microsoft.com/office/drawing/2014/main" id="{392A1FDD-47A0-4B31-965F-8316C6D4D105}"/>
+                <a16:creationId xmlns="" xmlns:a16="http://schemas.microsoft.com/office/drawing/2014/main" id="{392A1FDD-47A0-4B31-965F-8316C6D4D105}"/>
               </a:ext>
             </a:extLst>
           </p:cNvPr>
@@ -295,7 +295,7 @@
           <p:cNvPr id="6" name="Номер слайда 5">
             <a:extLst>
               <a:ext uri="{FF2B5EF4-FFF2-40B4-BE49-F238E27FC236}">
-                <a16:creationId xmlns:a16="http://schemas.microsoft.com/office/drawing/2014/main" id="{FE297813-0492-4849-B23E-FC05DF956E9E}"/>
+                <a16:creationId xmlns="" xmlns:a16="http://schemas.microsoft.com/office/drawing/2014/main" id="{FE297813-0492-4849-B23E-FC05DF956E9E}"/>
               </a:ext>
             </a:extLst>
           </p:cNvPr>
@@ -354,7 +354,7 @@
           <p:cNvPr id="2" name="Заголовок 1">
             <a:extLst>
               <a:ext uri="{FF2B5EF4-FFF2-40B4-BE49-F238E27FC236}">
-                <a16:creationId xmlns:a16="http://schemas.microsoft.com/office/drawing/2014/main" id="{F7E6AA3F-6B71-455A-9712-4A1783283579}"/>
+                <a16:creationId xmlns="" xmlns:a16="http://schemas.microsoft.com/office/drawing/2014/main" id="{F7E6AA3F-6B71-455A-9712-4A1783283579}"/>
               </a:ext>
             </a:extLst>
           </p:cNvPr>
@@ -382,7 +382,7 @@
           <p:cNvPr id="3" name="Вертикальный текст 2">
             <a:extLst>
               <a:ext uri="{FF2B5EF4-FFF2-40B4-BE49-F238E27FC236}">
-                <a16:creationId xmlns:a16="http://schemas.microsoft.com/office/drawing/2014/main" id="{3FB32045-DE70-4F94-9D81-C26AAFFB23B9}"/>
+                <a16:creationId xmlns="" xmlns:a16="http://schemas.microsoft.com/office/drawing/2014/main" id="{3FB32045-DE70-4F94-9D81-C26AAFFB23B9}"/>
               </a:ext>
             </a:extLst>
           </p:cNvPr>
@@ -439,7 +439,7 @@
           <p:cNvPr id="4" name="Дата 3">
             <a:extLst>
               <a:ext uri="{FF2B5EF4-FFF2-40B4-BE49-F238E27FC236}">
-                <a16:creationId xmlns:a16="http://schemas.microsoft.com/office/drawing/2014/main" id="{A71B00AE-6148-41AD-B111-6A803D05A5F9}"/>
+                <a16:creationId xmlns="" xmlns:a16="http://schemas.microsoft.com/office/drawing/2014/main" id="{A71B00AE-6148-41AD-B111-6A803D05A5F9}"/>
               </a:ext>
             </a:extLst>
           </p:cNvPr>
@@ -457,7 +457,7 @@
           <a:p>
             <a:fld id="{B7C4CDC5-2E67-4811-84B6-DF2A1F54FDDB}" type="datetimeFigureOut">
               <a:rPr lang="ru-RU" smtClean="0"/>
-              <a:t>21.10.2021</a:t>
+              <a:t>21.03.2022</a:t>
             </a:fld>
             <a:endParaRPr lang="ru-RU"/>
           </a:p>
@@ -468,7 +468,7 @@
           <p:cNvPr id="5" name="Нижний колонтитул 4">
             <a:extLst>
               <a:ext uri="{FF2B5EF4-FFF2-40B4-BE49-F238E27FC236}">
-                <a16:creationId xmlns:a16="http://schemas.microsoft.com/office/drawing/2014/main" id="{82D233F5-875B-4C57-B4BC-7039C3DE3488}"/>
+                <a16:creationId xmlns="" xmlns:a16="http://schemas.microsoft.com/office/drawing/2014/main" id="{82D233F5-875B-4C57-B4BC-7039C3DE3488}"/>
               </a:ext>
             </a:extLst>
           </p:cNvPr>
@@ -493,7 +493,7 @@
           <p:cNvPr id="6" name="Номер слайда 5">
             <a:extLst>
               <a:ext uri="{FF2B5EF4-FFF2-40B4-BE49-F238E27FC236}">
-                <a16:creationId xmlns:a16="http://schemas.microsoft.com/office/drawing/2014/main" id="{30C53C66-BC11-4D7E-B087-7B8451087407}"/>
+                <a16:creationId xmlns="" xmlns:a16="http://schemas.microsoft.com/office/drawing/2014/main" id="{30C53C66-BC11-4D7E-B087-7B8451087407}"/>
               </a:ext>
             </a:extLst>
           </p:cNvPr>
@@ -552,7 +552,7 @@
           <p:cNvPr id="2" name="Вертикальный заголовок 1">
             <a:extLst>
               <a:ext uri="{FF2B5EF4-FFF2-40B4-BE49-F238E27FC236}">
-                <a16:creationId xmlns:a16="http://schemas.microsoft.com/office/drawing/2014/main" id="{8A4C8A1D-769D-4F45-B931-0C4FDFFF4345}"/>
+                <a16:creationId xmlns="" xmlns:a16="http://schemas.microsoft.com/office/drawing/2014/main" id="{8A4C8A1D-769D-4F45-B931-0C4FDFFF4345}"/>
               </a:ext>
             </a:extLst>
           </p:cNvPr>
@@ -585,7 +585,7 @@
           <p:cNvPr id="3" name="Вертикальный текст 2">
             <a:extLst>
               <a:ext uri="{FF2B5EF4-FFF2-40B4-BE49-F238E27FC236}">
-                <a16:creationId xmlns:a16="http://schemas.microsoft.com/office/drawing/2014/main" id="{05723798-ECC9-48CE-AA27-00C81AA47CDA}"/>
+                <a16:creationId xmlns="" xmlns:a16="http://schemas.microsoft.com/office/drawing/2014/main" id="{05723798-ECC9-48CE-AA27-00C81AA47CDA}"/>
               </a:ext>
             </a:extLst>
           </p:cNvPr>
@@ -647,7 +647,7 @@
           <p:cNvPr id="4" name="Дата 3">
             <a:extLst>
               <a:ext uri="{FF2B5EF4-FFF2-40B4-BE49-F238E27FC236}">
-                <a16:creationId xmlns:a16="http://schemas.microsoft.com/office/drawing/2014/main" id="{CB5D48F6-7422-4DBE-BED0-23F7F8DACE94}"/>
+                <a16:creationId xmlns="" xmlns:a16="http://schemas.microsoft.com/office/drawing/2014/main" id="{CB5D48F6-7422-4DBE-BED0-23F7F8DACE94}"/>
               </a:ext>
             </a:extLst>
           </p:cNvPr>
@@ -665,7 +665,7 @@
           <a:p>
             <a:fld id="{B7C4CDC5-2E67-4811-84B6-DF2A1F54FDDB}" type="datetimeFigureOut">
               <a:rPr lang="ru-RU" smtClean="0"/>
-              <a:t>21.10.2021</a:t>
+              <a:t>21.03.2022</a:t>
             </a:fld>
             <a:endParaRPr lang="ru-RU"/>
           </a:p>
@@ -676,7 +676,7 @@
           <p:cNvPr id="5" name="Нижний колонтитул 4">
             <a:extLst>
               <a:ext uri="{FF2B5EF4-FFF2-40B4-BE49-F238E27FC236}">
-                <a16:creationId xmlns:a16="http://schemas.microsoft.com/office/drawing/2014/main" id="{B9724989-345E-462A-A1F1-9E77A03F3CB2}"/>
+                <a16:creationId xmlns="" xmlns:a16="http://schemas.microsoft.com/office/drawing/2014/main" id="{B9724989-345E-462A-A1F1-9E77A03F3CB2}"/>
               </a:ext>
             </a:extLst>
           </p:cNvPr>
@@ -701,7 +701,7 @@
           <p:cNvPr id="6" name="Номер слайда 5">
             <a:extLst>
               <a:ext uri="{FF2B5EF4-FFF2-40B4-BE49-F238E27FC236}">
-                <a16:creationId xmlns:a16="http://schemas.microsoft.com/office/drawing/2014/main" id="{DC65B11F-FFE3-4FC2-A62E-9A602849941A}"/>
+                <a16:creationId xmlns="" xmlns:a16="http://schemas.microsoft.com/office/drawing/2014/main" id="{DC65B11F-FFE3-4FC2-A62E-9A602849941A}"/>
               </a:ext>
             </a:extLst>
           </p:cNvPr>
@@ -760,7 +760,7 @@
           <p:cNvPr id="2" name="Заголовок 1">
             <a:extLst>
               <a:ext uri="{FF2B5EF4-FFF2-40B4-BE49-F238E27FC236}">
-                <a16:creationId xmlns:a16="http://schemas.microsoft.com/office/drawing/2014/main" id="{B4785E3D-FB06-40BB-9637-CE3F40887060}"/>
+                <a16:creationId xmlns="" xmlns:a16="http://schemas.microsoft.com/office/drawing/2014/main" id="{B4785E3D-FB06-40BB-9637-CE3F40887060}"/>
               </a:ext>
             </a:extLst>
           </p:cNvPr>
@@ -788,7 +788,7 @@
           <p:cNvPr id="3" name="Объект 2">
             <a:extLst>
               <a:ext uri="{FF2B5EF4-FFF2-40B4-BE49-F238E27FC236}">
-                <a16:creationId xmlns:a16="http://schemas.microsoft.com/office/drawing/2014/main" id="{9654BF49-2240-49C8-979A-7F8DB9B79042}"/>
+                <a16:creationId xmlns="" xmlns:a16="http://schemas.microsoft.com/office/drawing/2014/main" id="{9654BF49-2240-49C8-979A-7F8DB9B79042}"/>
               </a:ext>
             </a:extLst>
           </p:cNvPr>
@@ -845,7 +845,7 @@
           <p:cNvPr id="4" name="Дата 3">
             <a:extLst>
               <a:ext uri="{FF2B5EF4-FFF2-40B4-BE49-F238E27FC236}">
-                <a16:creationId xmlns:a16="http://schemas.microsoft.com/office/drawing/2014/main" id="{F6609565-29DA-41BC-B5D5-39615EF9CA30}"/>
+                <a16:creationId xmlns="" xmlns:a16="http://schemas.microsoft.com/office/drawing/2014/main" id="{F6609565-29DA-41BC-B5D5-39615EF9CA30}"/>
               </a:ext>
             </a:extLst>
           </p:cNvPr>
@@ -863,7 +863,7 @@
           <a:p>
             <a:fld id="{B7C4CDC5-2E67-4811-84B6-DF2A1F54FDDB}" type="datetimeFigureOut">
               <a:rPr lang="ru-RU" smtClean="0"/>
-              <a:t>21.10.2021</a:t>
+              <a:t>21.03.2022</a:t>
             </a:fld>
             <a:endParaRPr lang="ru-RU"/>
           </a:p>
@@ -874,7 +874,7 @@
           <p:cNvPr id="5" name="Нижний колонтитул 4">
             <a:extLst>
               <a:ext uri="{FF2B5EF4-FFF2-40B4-BE49-F238E27FC236}">
-                <a16:creationId xmlns:a16="http://schemas.microsoft.com/office/drawing/2014/main" id="{66860849-0A41-4F5C-AC36-EEBF8A682DC1}"/>
+                <a16:creationId xmlns="" xmlns:a16="http://schemas.microsoft.com/office/drawing/2014/main" id="{66860849-0A41-4F5C-AC36-EEBF8A682DC1}"/>
               </a:ext>
             </a:extLst>
           </p:cNvPr>
@@ -899,7 +899,7 @@
           <p:cNvPr id="6" name="Номер слайда 5">
             <a:extLst>
               <a:ext uri="{FF2B5EF4-FFF2-40B4-BE49-F238E27FC236}">
-                <a16:creationId xmlns:a16="http://schemas.microsoft.com/office/drawing/2014/main" id="{1A2C67F7-E456-40D0-B659-4D57DD4D75D4}"/>
+                <a16:creationId xmlns="" xmlns:a16="http://schemas.microsoft.com/office/drawing/2014/main" id="{1A2C67F7-E456-40D0-B659-4D57DD4D75D4}"/>
               </a:ext>
             </a:extLst>
           </p:cNvPr>
@@ -958,7 +958,7 @@
           <p:cNvPr id="2" name="Заголовок 1">
             <a:extLst>
               <a:ext uri="{FF2B5EF4-FFF2-40B4-BE49-F238E27FC236}">
-                <a16:creationId xmlns:a16="http://schemas.microsoft.com/office/drawing/2014/main" id="{3985E898-C69B-4744-9FB2-E6E8D16C71DB}"/>
+                <a16:creationId xmlns="" xmlns:a16="http://schemas.microsoft.com/office/drawing/2014/main" id="{3985E898-C69B-4744-9FB2-E6E8D16C71DB}"/>
               </a:ext>
             </a:extLst>
           </p:cNvPr>
@@ -995,7 +995,7 @@
           <p:cNvPr id="3" name="Текст 2">
             <a:extLst>
               <a:ext uri="{FF2B5EF4-FFF2-40B4-BE49-F238E27FC236}">
-                <a16:creationId xmlns:a16="http://schemas.microsoft.com/office/drawing/2014/main" id="{93181345-55C6-4644-AF3F-8C4689B40462}"/>
+                <a16:creationId xmlns="" xmlns:a16="http://schemas.microsoft.com/office/drawing/2014/main" id="{93181345-55C6-4644-AF3F-8C4689B40462}"/>
               </a:ext>
             </a:extLst>
           </p:cNvPr>
@@ -1120,7 +1120,7 @@
           <p:cNvPr id="4" name="Дата 3">
             <a:extLst>
               <a:ext uri="{FF2B5EF4-FFF2-40B4-BE49-F238E27FC236}">
-                <a16:creationId xmlns:a16="http://schemas.microsoft.com/office/drawing/2014/main" id="{B6B1C9F8-1D59-4A57-9C78-59942BE27DC7}"/>
+                <a16:creationId xmlns="" xmlns:a16="http://schemas.microsoft.com/office/drawing/2014/main" id="{B6B1C9F8-1D59-4A57-9C78-59942BE27DC7}"/>
               </a:ext>
             </a:extLst>
           </p:cNvPr>
@@ -1138,7 +1138,7 @@
           <a:p>
             <a:fld id="{B7C4CDC5-2E67-4811-84B6-DF2A1F54FDDB}" type="datetimeFigureOut">
               <a:rPr lang="ru-RU" smtClean="0"/>
-              <a:t>21.10.2021</a:t>
+              <a:t>21.03.2022</a:t>
             </a:fld>
             <a:endParaRPr lang="ru-RU"/>
           </a:p>
@@ -1149,7 +1149,7 @@
           <p:cNvPr id="5" name="Нижний колонтитул 4">
             <a:extLst>
               <a:ext uri="{FF2B5EF4-FFF2-40B4-BE49-F238E27FC236}">
-                <a16:creationId xmlns:a16="http://schemas.microsoft.com/office/drawing/2014/main" id="{F7990C3E-BC1A-4A44-825C-2E2D74778366}"/>
+                <a16:creationId xmlns="" xmlns:a16="http://schemas.microsoft.com/office/drawing/2014/main" id="{F7990C3E-BC1A-4A44-825C-2E2D74778366}"/>
               </a:ext>
             </a:extLst>
           </p:cNvPr>
@@ -1174,7 +1174,7 @@
           <p:cNvPr id="6" name="Номер слайда 5">
             <a:extLst>
               <a:ext uri="{FF2B5EF4-FFF2-40B4-BE49-F238E27FC236}">
-                <a16:creationId xmlns:a16="http://schemas.microsoft.com/office/drawing/2014/main" id="{3959D28F-916E-4F0A-8BB3-E9019E7E1830}"/>
+                <a16:creationId xmlns="" xmlns:a16="http://schemas.microsoft.com/office/drawing/2014/main" id="{3959D28F-916E-4F0A-8BB3-E9019E7E1830}"/>
               </a:ext>
             </a:extLst>
           </p:cNvPr>
@@ -1233,7 +1233,7 @@
           <p:cNvPr id="2" name="Заголовок 1">
             <a:extLst>
               <a:ext uri="{FF2B5EF4-FFF2-40B4-BE49-F238E27FC236}">
-                <a16:creationId xmlns:a16="http://schemas.microsoft.com/office/drawing/2014/main" id="{E36A0C80-DF1E-46CA-88ED-7CD6323EEDED}"/>
+                <a16:creationId xmlns="" xmlns:a16="http://schemas.microsoft.com/office/drawing/2014/main" id="{E36A0C80-DF1E-46CA-88ED-7CD6323EEDED}"/>
               </a:ext>
             </a:extLst>
           </p:cNvPr>
@@ -1261,7 +1261,7 @@
           <p:cNvPr id="3" name="Объект 2">
             <a:extLst>
               <a:ext uri="{FF2B5EF4-FFF2-40B4-BE49-F238E27FC236}">
-                <a16:creationId xmlns:a16="http://schemas.microsoft.com/office/drawing/2014/main" id="{3C69FE57-B9DF-4C8C-98DB-4FCD3ADB8778}"/>
+                <a16:creationId xmlns="" xmlns:a16="http://schemas.microsoft.com/office/drawing/2014/main" id="{3C69FE57-B9DF-4C8C-98DB-4FCD3ADB8778}"/>
               </a:ext>
             </a:extLst>
           </p:cNvPr>
@@ -1323,7 +1323,7 @@
           <p:cNvPr id="4" name="Объект 3">
             <a:extLst>
               <a:ext uri="{FF2B5EF4-FFF2-40B4-BE49-F238E27FC236}">
-                <a16:creationId xmlns:a16="http://schemas.microsoft.com/office/drawing/2014/main" id="{F234067D-A0CF-4BA4-837B-61C62D2F165D}"/>
+                <a16:creationId xmlns="" xmlns:a16="http://schemas.microsoft.com/office/drawing/2014/main" id="{F234067D-A0CF-4BA4-837B-61C62D2F165D}"/>
               </a:ext>
             </a:extLst>
           </p:cNvPr>
@@ -1385,7 +1385,7 @@
           <p:cNvPr id="5" name="Дата 4">
             <a:extLst>
               <a:ext uri="{FF2B5EF4-FFF2-40B4-BE49-F238E27FC236}">
-                <a16:creationId xmlns:a16="http://schemas.microsoft.com/office/drawing/2014/main" id="{1B342428-10A9-42A0-974F-DED489B659C0}"/>
+                <a16:creationId xmlns="" xmlns:a16="http://schemas.microsoft.com/office/drawing/2014/main" id="{1B342428-10A9-42A0-974F-DED489B659C0}"/>
               </a:ext>
             </a:extLst>
           </p:cNvPr>
@@ -1403,7 +1403,7 @@
           <a:p>
             <a:fld id="{B7C4CDC5-2E67-4811-84B6-DF2A1F54FDDB}" type="datetimeFigureOut">
               <a:rPr lang="ru-RU" smtClean="0"/>
-              <a:t>21.10.2021</a:t>
+              <a:t>21.03.2022</a:t>
             </a:fld>
             <a:endParaRPr lang="ru-RU"/>
           </a:p>
@@ -1414,7 +1414,7 @@
           <p:cNvPr id="6" name="Нижний колонтитул 5">
             <a:extLst>
               <a:ext uri="{FF2B5EF4-FFF2-40B4-BE49-F238E27FC236}">
-                <a16:creationId xmlns:a16="http://schemas.microsoft.com/office/drawing/2014/main" id="{1816072B-55E7-4308-8561-C3EC3A2E453D}"/>
+                <a16:creationId xmlns="" xmlns:a16="http://schemas.microsoft.com/office/drawing/2014/main" id="{1816072B-55E7-4308-8561-C3EC3A2E453D}"/>
               </a:ext>
             </a:extLst>
           </p:cNvPr>
@@ -1439,7 +1439,7 @@
           <p:cNvPr id="7" name="Номер слайда 6">
             <a:extLst>
               <a:ext uri="{FF2B5EF4-FFF2-40B4-BE49-F238E27FC236}">
-                <a16:creationId xmlns:a16="http://schemas.microsoft.com/office/drawing/2014/main" id="{FE10C586-2D0C-4AAF-A06E-84FAA063AB7A}"/>
+                <a16:creationId xmlns="" xmlns:a16="http://schemas.microsoft.com/office/drawing/2014/main" id="{FE10C586-2D0C-4AAF-A06E-84FAA063AB7A}"/>
               </a:ext>
             </a:extLst>
           </p:cNvPr>
@@ -1498,7 +1498,7 @@
           <p:cNvPr id="2" name="Заголовок 1">
             <a:extLst>
               <a:ext uri="{FF2B5EF4-FFF2-40B4-BE49-F238E27FC236}">
-                <a16:creationId xmlns:a16="http://schemas.microsoft.com/office/drawing/2014/main" id="{C270C96E-6FBD-4F2B-A59B-6A7857C35688}"/>
+                <a16:creationId xmlns="" xmlns:a16="http://schemas.microsoft.com/office/drawing/2014/main" id="{C270C96E-6FBD-4F2B-A59B-6A7857C35688}"/>
               </a:ext>
             </a:extLst>
           </p:cNvPr>
@@ -1531,7 +1531,7 @@
           <p:cNvPr id="3" name="Текст 2">
             <a:extLst>
               <a:ext uri="{FF2B5EF4-FFF2-40B4-BE49-F238E27FC236}">
-                <a16:creationId xmlns:a16="http://schemas.microsoft.com/office/drawing/2014/main" id="{D316EDE9-EC4C-4C72-9E68-5DAEA6C42C15}"/>
+                <a16:creationId xmlns="" xmlns:a16="http://schemas.microsoft.com/office/drawing/2014/main" id="{D316EDE9-EC4C-4C72-9E68-5DAEA6C42C15}"/>
               </a:ext>
             </a:extLst>
           </p:cNvPr>
@@ -1602,7 +1602,7 @@
           <p:cNvPr id="4" name="Объект 3">
             <a:extLst>
               <a:ext uri="{FF2B5EF4-FFF2-40B4-BE49-F238E27FC236}">
-                <a16:creationId xmlns:a16="http://schemas.microsoft.com/office/drawing/2014/main" id="{B28DBCAA-0DF7-45F1-9655-A7DA5F689E45}"/>
+                <a16:creationId xmlns="" xmlns:a16="http://schemas.microsoft.com/office/drawing/2014/main" id="{B28DBCAA-0DF7-45F1-9655-A7DA5F689E45}"/>
               </a:ext>
             </a:extLst>
           </p:cNvPr>
@@ -1664,7 +1664,7 @@
           <p:cNvPr id="5" name="Текст 4">
             <a:extLst>
               <a:ext uri="{FF2B5EF4-FFF2-40B4-BE49-F238E27FC236}">
-                <a16:creationId xmlns:a16="http://schemas.microsoft.com/office/drawing/2014/main" id="{24FADCC8-0CC1-4D8A-BB0B-7E566A856D10}"/>
+                <a16:creationId xmlns="" xmlns:a16="http://schemas.microsoft.com/office/drawing/2014/main" id="{24FADCC8-0CC1-4D8A-BB0B-7E566A856D10}"/>
               </a:ext>
             </a:extLst>
           </p:cNvPr>
@@ -1735,7 +1735,7 @@
           <p:cNvPr id="6" name="Объект 5">
             <a:extLst>
               <a:ext uri="{FF2B5EF4-FFF2-40B4-BE49-F238E27FC236}">
-                <a16:creationId xmlns:a16="http://schemas.microsoft.com/office/drawing/2014/main" id="{F3C7A761-D783-4D71-B54D-AA7B43E526F0}"/>
+                <a16:creationId xmlns="" xmlns:a16="http://schemas.microsoft.com/office/drawing/2014/main" id="{F3C7A761-D783-4D71-B54D-AA7B43E526F0}"/>
               </a:ext>
             </a:extLst>
           </p:cNvPr>
@@ -1797,7 +1797,7 @@
           <p:cNvPr id="7" name="Дата 6">
             <a:extLst>
               <a:ext uri="{FF2B5EF4-FFF2-40B4-BE49-F238E27FC236}">
-                <a16:creationId xmlns:a16="http://schemas.microsoft.com/office/drawing/2014/main" id="{D6BCB4CD-1EA4-474F-A867-E917AC9817BB}"/>
+                <a16:creationId xmlns="" xmlns:a16="http://schemas.microsoft.com/office/drawing/2014/main" id="{D6BCB4CD-1EA4-474F-A867-E917AC9817BB}"/>
               </a:ext>
             </a:extLst>
           </p:cNvPr>
@@ -1815,7 +1815,7 @@
           <a:p>
             <a:fld id="{B7C4CDC5-2E67-4811-84B6-DF2A1F54FDDB}" type="datetimeFigureOut">
               <a:rPr lang="ru-RU" smtClean="0"/>
-              <a:t>21.10.2021</a:t>
+              <a:t>21.03.2022</a:t>
             </a:fld>
             <a:endParaRPr lang="ru-RU"/>
           </a:p>
@@ -1826,7 +1826,7 @@
           <p:cNvPr id="8" name="Нижний колонтитул 7">
             <a:extLst>
               <a:ext uri="{FF2B5EF4-FFF2-40B4-BE49-F238E27FC236}">
-                <a16:creationId xmlns:a16="http://schemas.microsoft.com/office/drawing/2014/main" id="{999AF678-AF6F-481B-B522-37103382CC83}"/>
+                <a16:creationId xmlns="" xmlns:a16="http://schemas.microsoft.com/office/drawing/2014/main" id="{999AF678-AF6F-481B-B522-37103382CC83}"/>
               </a:ext>
             </a:extLst>
           </p:cNvPr>
@@ -1851,7 +1851,7 @@
           <p:cNvPr id="9" name="Номер слайда 8">
             <a:extLst>
               <a:ext uri="{FF2B5EF4-FFF2-40B4-BE49-F238E27FC236}">
-                <a16:creationId xmlns:a16="http://schemas.microsoft.com/office/drawing/2014/main" id="{F7BC018F-C250-404C-B73E-CFAB56C50A9D}"/>
+                <a16:creationId xmlns="" xmlns:a16="http://schemas.microsoft.com/office/drawing/2014/main" id="{F7BC018F-C250-404C-B73E-CFAB56C50A9D}"/>
               </a:ext>
             </a:extLst>
           </p:cNvPr>
@@ -1910,7 +1910,7 @@
           <p:cNvPr id="2" name="Заголовок 1">
             <a:extLst>
               <a:ext uri="{FF2B5EF4-FFF2-40B4-BE49-F238E27FC236}">
-                <a16:creationId xmlns:a16="http://schemas.microsoft.com/office/drawing/2014/main" id="{23CE5D36-47B2-4D3F-8A98-0D6CA322F820}"/>
+                <a16:creationId xmlns="" xmlns:a16="http://schemas.microsoft.com/office/drawing/2014/main" id="{23CE5D36-47B2-4D3F-8A98-0D6CA322F820}"/>
               </a:ext>
             </a:extLst>
           </p:cNvPr>
@@ -1938,7 +1938,7 @@
           <p:cNvPr id="3" name="Дата 2">
             <a:extLst>
               <a:ext uri="{FF2B5EF4-FFF2-40B4-BE49-F238E27FC236}">
-                <a16:creationId xmlns:a16="http://schemas.microsoft.com/office/drawing/2014/main" id="{75144F28-C335-4339-9915-4A179B3AAB52}"/>
+                <a16:creationId xmlns="" xmlns:a16="http://schemas.microsoft.com/office/drawing/2014/main" id="{75144F28-C335-4339-9915-4A179B3AAB52}"/>
               </a:ext>
             </a:extLst>
           </p:cNvPr>
@@ -1956,7 +1956,7 @@
           <a:p>
             <a:fld id="{B7C4CDC5-2E67-4811-84B6-DF2A1F54FDDB}" type="datetimeFigureOut">
               <a:rPr lang="ru-RU" smtClean="0"/>
-              <a:t>21.10.2021</a:t>
+              <a:t>21.03.2022</a:t>
             </a:fld>
             <a:endParaRPr lang="ru-RU"/>
           </a:p>
@@ -1967,7 +1967,7 @@
           <p:cNvPr id="4" name="Нижний колонтитул 3">
             <a:extLst>
               <a:ext uri="{FF2B5EF4-FFF2-40B4-BE49-F238E27FC236}">
-                <a16:creationId xmlns:a16="http://schemas.microsoft.com/office/drawing/2014/main" id="{2719576F-696C-447A-A7B7-5A6D65AACDFA}"/>
+                <a16:creationId xmlns="" xmlns:a16="http://schemas.microsoft.com/office/drawing/2014/main" id="{2719576F-696C-447A-A7B7-5A6D65AACDFA}"/>
               </a:ext>
             </a:extLst>
           </p:cNvPr>
@@ -1992,7 +1992,7 @@
           <p:cNvPr id="5" name="Номер слайда 4">
             <a:extLst>
               <a:ext uri="{FF2B5EF4-FFF2-40B4-BE49-F238E27FC236}">
-                <a16:creationId xmlns:a16="http://schemas.microsoft.com/office/drawing/2014/main" id="{207D230F-2545-488A-9E5D-099DDD2DA4BE}"/>
+                <a16:creationId xmlns="" xmlns:a16="http://schemas.microsoft.com/office/drawing/2014/main" id="{207D230F-2545-488A-9E5D-099DDD2DA4BE}"/>
               </a:ext>
             </a:extLst>
           </p:cNvPr>
@@ -2051,7 +2051,7 @@
           <p:cNvPr id="2" name="Дата 1">
             <a:extLst>
               <a:ext uri="{FF2B5EF4-FFF2-40B4-BE49-F238E27FC236}">
-                <a16:creationId xmlns:a16="http://schemas.microsoft.com/office/drawing/2014/main" id="{B2BC6E2C-3B5F-4C48-96A5-3B75C4D8E2B5}"/>
+                <a16:creationId xmlns="" xmlns:a16="http://schemas.microsoft.com/office/drawing/2014/main" id="{B2BC6E2C-3B5F-4C48-96A5-3B75C4D8E2B5}"/>
               </a:ext>
             </a:extLst>
           </p:cNvPr>
@@ -2069,7 +2069,7 @@
           <a:p>
             <a:fld id="{B7C4CDC5-2E67-4811-84B6-DF2A1F54FDDB}" type="datetimeFigureOut">
               <a:rPr lang="ru-RU" smtClean="0"/>
-              <a:t>21.10.2021</a:t>
+              <a:t>21.03.2022</a:t>
             </a:fld>
             <a:endParaRPr lang="ru-RU"/>
           </a:p>
@@ -2080,7 +2080,7 @@
           <p:cNvPr id="3" name="Нижний колонтитул 2">
             <a:extLst>
               <a:ext uri="{FF2B5EF4-FFF2-40B4-BE49-F238E27FC236}">
-                <a16:creationId xmlns:a16="http://schemas.microsoft.com/office/drawing/2014/main" id="{6084C9EC-DC9E-4D24-B110-2E7B41B8C2D2}"/>
+                <a16:creationId xmlns="" xmlns:a16="http://schemas.microsoft.com/office/drawing/2014/main" id="{6084C9EC-DC9E-4D24-B110-2E7B41B8C2D2}"/>
               </a:ext>
             </a:extLst>
           </p:cNvPr>
@@ -2105,7 +2105,7 @@
           <p:cNvPr id="4" name="Номер слайда 3">
             <a:extLst>
               <a:ext uri="{FF2B5EF4-FFF2-40B4-BE49-F238E27FC236}">
-                <a16:creationId xmlns:a16="http://schemas.microsoft.com/office/drawing/2014/main" id="{227776F3-17C7-45D6-A8FC-1BFF19EAB0BF}"/>
+                <a16:creationId xmlns="" xmlns:a16="http://schemas.microsoft.com/office/drawing/2014/main" id="{227776F3-17C7-45D6-A8FC-1BFF19EAB0BF}"/>
               </a:ext>
             </a:extLst>
           </p:cNvPr>
@@ -2164,7 +2164,7 @@
           <p:cNvPr id="2" name="Заголовок 1">
             <a:extLst>
               <a:ext uri="{FF2B5EF4-FFF2-40B4-BE49-F238E27FC236}">
-                <a16:creationId xmlns:a16="http://schemas.microsoft.com/office/drawing/2014/main" id="{2CD60005-E1BC-47EB-9A3B-85FA604CB590}"/>
+                <a16:creationId xmlns="" xmlns:a16="http://schemas.microsoft.com/office/drawing/2014/main" id="{2CD60005-E1BC-47EB-9A3B-85FA604CB590}"/>
               </a:ext>
             </a:extLst>
           </p:cNvPr>
@@ -2201,7 +2201,7 @@
           <p:cNvPr id="3" name="Объект 2">
             <a:extLst>
               <a:ext uri="{FF2B5EF4-FFF2-40B4-BE49-F238E27FC236}">
-                <a16:creationId xmlns:a16="http://schemas.microsoft.com/office/drawing/2014/main" id="{79086059-42C1-4F9F-B26C-57021D99E44B}"/>
+                <a16:creationId xmlns="" xmlns:a16="http://schemas.microsoft.com/office/drawing/2014/main" id="{79086059-42C1-4F9F-B26C-57021D99E44B}"/>
               </a:ext>
             </a:extLst>
           </p:cNvPr>
@@ -2291,7 +2291,7 @@
           <p:cNvPr id="4" name="Текст 3">
             <a:extLst>
               <a:ext uri="{FF2B5EF4-FFF2-40B4-BE49-F238E27FC236}">
-                <a16:creationId xmlns:a16="http://schemas.microsoft.com/office/drawing/2014/main" id="{26B9EC29-E1E8-41F5-AA2B-8A85B5674F1F}"/>
+                <a16:creationId xmlns="" xmlns:a16="http://schemas.microsoft.com/office/drawing/2014/main" id="{26B9EC29-E1E8-41F5-AA2B-8A85B5674F1F}"/>
               </a:ext>
             </a:extLst>
           </p:cNvPr>
@@ -2362,7 +2362,7 @@
           <p:cNvPr id="5" name="Дата 4">
             <a:extLst>
               <a:ext uri="{FF2B5EF4-FFF2-40B4-BE49-F238E27FC236}">
-                <a16:creationId xmlns:a16="http://schemas.microsoft.com/office/drawing/2014/main" id="{F139E3E6-0167-44D2-988A-6B318F9DB30D}"/>
+                <a16:creationId xmlns="" xmlns:a16="http://schemas.microsoft.com/office/drawing/2014/main" id="{F139E3E6-0167-44D2-988A-6B318F9DB30D}"/>
               </a:ext>
             </a:extLst>
           </p:cNvPr>
@@ -2380,7 +2380,7 @@
           <a:p>
             <a:fld id="{B7C4CDC5-2E67-4811-84B6-DF2A1F54FDDB}" type="datetimeFigureOut">
               <a:rPr lang="ru-RU" smtClean="0"/>
-              <a:t>21.10.2021</a:t>
+              <a:t>21.03.2022</a:t>
             </a:fld>
             <a:endParaRPr lang="ru-RU"/>
           </a:p>
@@ -2391,7 +2391,7 @@
           <p:cNvPr id="6" name="Нижний колонтитул 5">
             <a:extLst>
               <a:ext uri="{FF2B5EF4-FFF2-40B4-BE49-F238E27FC236}">
-                <a16:creationId xmlns:a16="http://schemas.microsoft.com/office/drawing/2014/main" id="{CEB6A572-515A-4299-90D4-9D2C9154E745}"/>
+                <a16:creationId xmlns="" xmlns:a16="http://schemas.microsoft.com/office/drawing/2014/main" id="{CEB6A572-515A-4299-90D4-9D2C9154E745}"/>
               </a:ext>
             </a:extLst>
           </p:cNvPr>
@@ -2416,7 +2416,7 @@
           <p:cNvPr id="7" name="Номер слайда 6">
             <a:extLst>
               <a:ext uri="{FF2B5EF4-FFF2-40B4-BE49-F238E27FC236}">
-                <a16:creationId xmlns:a16="http://schemas.microsoft.com/office/drawing/2014/main" id="{BA52446B-AC35-4A1F-92E1-FEA9AF64430F}"/>
+                <a16:creationId xmlns="" xmlns:a16="http://schemas.microsoft.com/office/drawing/2014/main" id="{BA52446B-AC35-4A1F-92E1-FEA9AF64430F}"/>
               </a:ext>
             </a:extLst>
           </p:cNvPr>
@@ -2475,7 +2475,7 @@
           <p:cNvPr id="2" name="Заголовок 1">
             <a:extLst>
               <a:ext uri="{FF2B5EF4-FFF2-40B4-BE49-F238E27FC236}">
-                <a16:creationId xmlns:a16="http://schemas.microsoft.com/office/drawing/2014/main" id="{3A833D84-D39B-4FFE-BAF4-698D908E2586}"/>
+                <a16:creationId xmlns="" xmlns:a16="http://schemas.microsoft.com/office/drawing/2014/main" id="{3A833D84-D39B-4FFE-BAF4-698D908E2586}"/>
               </a:ext>
             </a:extLst>
           </p:cNvPr>
@@ -2512,7 +2512,7 @@
           <p:cNvPr id="3" name="Рисунок 2">
             <a:extLst>
               <a:ext uri="{FF2B5EF4-FFF2-40B4-BE49-F238E27FC236}">
-                <a16:creationId xmlns:a16="http://schemas.microsoft.com/office/drawing/2014/main" id="{04795A19-BA95-47AE-8A27-A4F1ACCAB594}"/>
+                <a16:creationId xmlns="" xmlns:a16="http://schemas.microsoft.com/office/drawing/2014/main" id="{04795A19-BA95-47AE-8A27-A4F1ACCAB594}"/>
               </a:ext>
             </a:extLst>
           </p:cNvPr>
@@ -2579,7 +2579,7 @@
           <p:cNvPr id="4" name="Текст 3">
             <a:extLst>
               <a:ext uri="{FF2B5EF4-FFF2-40B4-BE49-F238E27FC236}">
-                <a16:creationId xmlns:a16="http://schemas.microsoft.com/office/drawing/2014/main" id="{63B40DC5-EC66-4670-A5BE-27284CF09DA6}"/>
+                <a16:creationId xmlns="" xmlns:a16="http://schemas.microsoft.com/office/drawing/2014/main" id="{63B40DC5-EC66-4670-A5BE-27284CF09DA6}"/>
               </a:ext>
             </a:extLst>
           </p:cNvPr>
@@ -2650,7 +2650,7 @@
           <p:cNvPr id="5" name="Дата 4">
             <a:extLst>
               <a:ext uri="{FF2B5EF4-FFF2-40B4-BE49-F238E27FC236}">
-                <a16:creationId xmlns:a16="http://schemas.microsoft.com/office/drawing/2014/main" id="{CED022B7-854E-498A-811C-153A99E56C09}"/>
+                <a16:creationId xmlns="" xmlns:a16="http://schemas.microsoft.com/office/drawing/2014/main" id="{CED022B7-854E-498A-811C-153A99E56C09}"/>
               </a:ext>
             </a:extLst>
           </p:cNvPr>
@@ -2668,7 +2668,7 @@
           <a:p>
             <a:fld id="{B7C4CDC5-2E67-4811-84B6-DF2A1F54FDDB}" type="datetimeFigureOut">
               <a:rPr lang="ru-RU" smtClean="0"/>
-              <a:t>21.10.2021</a:t>
+              <a:t>21.03.2022</a:t>
             </a:fld>
             <a:endParaRPr lang="ru-RU"/>
           </a:p>
@@ -2679,7 +2679,7 @@
           <p:cNvPr id="6" name="Нижний колонтитул 5">
             <a:extLst>
               <a:ext uri="{FF2B5EF4-FFF2-40B4-BE49-F238E27FC236}">
-                <a16:creationId xmlns:a16="http://schemas.microsoft.com/office/drawing/2014/main" id="{AD855CA4-7758-4C47-BEBE-E0912995BDF6}"/>
+                <a16:creationId xmlns="" xmlns:a16="http://schemas.microsoft.com/office/drawing/2014/main" id="{AD855CA4-7758-4C47-BEBE-E0912995BDF6}"/>
               </a:ext>
             </a:extLst>
           </p:cNvPr>
@@ -2704,7 +2704,7 @@
           <p:cNvPr id="7" name="Номер слайда 6">
             <a:extLst>
               <a:ext uri="{FF2B5EF4-FFF2-40B4-BE49-F238E27FC236}">
-                <a16:creationId xmlns:a16="http://schemas.microsoft.com/office/drawing/2014/main" id="{2984AD1E-BDE3-474F-B837-F505596ECCFB}"/>
+                <a16:creationId xmlns="" xmlns:a16="http://schemas.microsoft.com/office/drawing/2014/main" id="{2984AD1E-BDE3-474F-B837-F505596ECCFB}"/>
               </a:ext>
             </a:extLst>
           </p:cNvPr>
@@ -2768,7 +2768,7 @@
           <p:cNvPr id="2" name="Заголовок 1">
             <a:extLst>
               <a:ext uri="{FF2B5EF4-FFF2-40B4-BE49-F238E27FC236}">
-                <a16:creationId xmlns:a16="http://schemas.microsoft.com/office/drawing/2014/main" id="{56CAEA47-54E8-40E7-AE11-75A8F6B31231}"/>
+                <a16:creationId xmlns="" xmlns:a16="http://schemas.microsoft.com/office/drawing/2014/main" id="{56CAEA47-54E8-40E7-AE11-75A8F6B31231}"/>
               </a:ext>
             </a:extLst>
           </p:cNvPr>
@@ -2806,7 +2806,7 @@
           <p:cNvPr id="3" name="Текст 2">
             <a:extLst>
               <a:ext uri="{FF2B5EF4-FFF2-40B4-BE49-F238E27FC236}">
-                <a16:creationId xmlns:a16="http://schemas.microsoft.com/office/drawing/2014/main" id="{7043FA9F-8849-4451-9D87-887D97C9FEBA}"/>
+                <a16:creationId xmlns="" xmlns:a16="http://schemas.microsoft.com/office/drawing/2014/main" id="{7043FA9F-8849-4451-9D87-887D97C9FEBA}"/>
               </a:ext>
             </a:extLst>
           </p:cNvPr>
@@ -2873,7 +2873,7 @@
           <p:cNvPr id="4" name="Дата 3">
             <a:extLst>
               <a:ext uri="{FF2B5EF4-FFF2-40B4-BE49-F238E27FC236}">
-                <a16:creationId xmlns:a16="http://schemas.microsoft.com/office/drawing/2014/main" id="{FE0C926A-C4B5-4212-A917-08CCE59A9681}"/>
+                <a16:creationId xmlns="" xmlns:a16="http://schemas.microsoft.com/office/drawing/2014/main" id="{FE0C926A-C4B5-4212-A917-08CCE59A9681}"/>
               </a:ext>
             </a:extLst>
           </p:cNvPr>
@@ -2909,7 +2909,7 @@
           <a:p>
             <a:fld id="{B7C4CDC5-2E67-4811-84B6-DF2A1F54FDDB}" type="datetimeFigureOut">
               <a:rPr lang="ru-RU" smtClean="0"/>
-              <a:t>21.10.2021</a:t>
+              <a:t>21.03.2022</a:t>
             </a:fld>
             <a:endParaRPr lang="ru-RU"/>
           </a:p>
@@ -2920,7 +2920,7 @@
           <p:cNvPr id="5" name="Нижний колонтитул 4">
             <a:extLst>
               <a:ext uri="{FF2B5EF4-FFF2-40B4-BE49-F238E27FC236}">
-                <a16:creationId xmlns:a16="http://schemas.microsoft.com/office/drawing/2014/main" id="{6EF89FE4-9266-4560-AFDA-BB7EA760A1D0}"/>
+                <a16:creationId xmlns="" xmlns:a16="http://schemas.microsoft.com/office/drawing/2014/main" id="{6EF89FE4-9266-4560-AFDA-BB7EA760A1D0}"/>
               </a:ext>
             </a:extLst>
           </p:cNvPr>
@@ -2963,7 +2963,7 @@
           <p:cNvPr id="6" name="Номер слайда 5">
             <a:extLst>
               <a:ext uri="{FF2B5EF4-FFF2-40B4-BE49-F238E27FC236}">
-                <a16:creationId xmlns:a16="http://schemas.microsoft.com/office/drawing/2014/main" id="{81CEFA0E-F263-4693-A774-00E6398B28A8}"/>
+                <a16:creationId xmlns="" xmlns:a16="http://schemas.microsoft.com/office/drawing/2014/main" id="{81CEFA0E-F263-4693-A774-00E6398B28A8}"/>
               </a:ext>
             </a:extLst>
           </p:cNvPr>
@@ -3331,7 +3331,7 @@
           <p:cNvPr id="2" name="Заголовок 1">
             <a:extLst>
               <a:ext uri="{FF2B5EF4-FFF2-40B4-BE49-F238E27FC236}">
-                <a16:creationId xmlns:a16="http://schemas.microsoft.com/office/drawing/2014/main" id="{026BABAE-BF01-4A6D-8662-2B3909A33326}"/>
+                <a16:creationId xmlns="" xmlns:a16="http://schemas.microsoft.com/office/drawing/2014/main" id="{026BABAE-BF01-4A6D-8662-2B3909A33326}"/>
               </a:ext>
             </a:extLst>
           </p:cNvPr>
@@ -3353,7 +3353,7 @@
           <a:lstStyle/>
           <a:p>
             <a:r>
-              <a:rPr lang="en-US"/>
+              <a:rPr lang="en-US" dirty="0"/>
               <a:t>type</a:t>
             </a:r>
             <a:endParaRPr lang="ru-RU" dirty="0"/>
@@ -3365,7 +3365,7 @@
           <p:cNvPr id="3" name="Подзаголовок 2">
             <a:extLst>
               <a:ext uri="{FF2B5EF4-FFF2-40B4-BE49-F238E27FC236}">
-                <a16:creationId xmlns:a16="http://schemas.microsoft.com/office/drawing/2014/main" id="{90B479C6-2910-4D39-952B-8EDAC7EEB168}"/>
+                <a16:creationId xmlns="" xmlns:a16="http://schemas.microsoft.com/office/drawing/2014/main" id="{90B479C6-2910-4D39-952B-8EDAC7EEB168}"/>
               </a:ext>
             </a:extLst>
           </p:cNvPr>
@@ -3399,7 +3399,7 @@
           <p:cNvPr id="4" name="Заголовок 1">
             <a:extLst>
               <a:ext uri="{FF2B5EF4-FFF2-40B4-BE49-F238E27FC236}">
-                <a16:creationId xmlns:a16="http://schemas.microsoft.com/office/drawing/2014/main" id="{D5B42F02-2BF3-44B3-9B47-35D3AE0B9269}"/>
+                <a16:creationId xmlns="" xmlns:a16="http://schemas.microsoft.com/office/drawing/2014/main" id="{D5B42F02-2BF3-44B3-9B47-35D3AE0B9269}"/>
               </a:ext>
             </a:extLst>
           </p:cNvPr>
@@ -3450,7 +3450,7 @@
           <p:cNvPr id="5" name="Подзаголовок 2">
             <a:extLst>
               <a:ext uri="{FF2B5EF4-FFF2-40B4-BE49-F238E27FC236}">
-                <a16:creationId xmlns:a16="http://schemas.microsoft.com/office/drawing/2014/main" id="{C70A71C0-DC99-4E7E-8059-BC9D1F94AF56}"/>
+                <a16:creationId xmlns="" xmlns:a16="http://schemas.microsoft.com/office/drawing/2014/main" id="{C70A71C0-DC99-4E7E-8059-BC9D1F94AF56}"/>
               </a:ext>
             </a:extLst>
           </p:cNvPr>
@@ -3651,7 +3651,7 @@
           <p:cNvPr id="6" name="Подзаголовок 2">
             <a:extLst>
               <a:ext uri="{FF2B5EF4-FFF2-40B4-BE49-F238E27FC236}">
-                <a16:creationId xmlns:a16="http://schemas.microsoft.com/office/drawing/2014/main" id="{E8A9B4F3-997D-4326-8587-BF256B79543E}"/>
+                <a16:creationId xmlns="" xmlns:a16="http://schemas.microsoft.com/office/drawing/2014/main" id="{E8A9B4F3-997D-4326-8587-BF256B79543E}"/>
               </a:ext>
             </a:extLst>
           </p:cNvPr>
@@ -3844,6 +3844,35 @@
               <a:t>date</a:t>
             </a:r>
             <a:endParaRPr lang="ru-RU" sz="1800" dirty="0"/>
+          </a:p>
+        </p:txBody>
+      </p:sp>
+      <p:sp>
+        <p:nvSpPr>
+          <p:cNvPr id="8" name="TextBox 7"/>
+          <p:cNvSpPr txBox="1"/>
+          <p:nvPr/>
+        </p:nvSpPr>
+        <p:spPr>
+          <a:xfrm>
+            <a:off x="-1" y="0"/>
+            <a:ext cx="415637" cy="380461"/>
+          </a:xfrm>
+          <a:prstGeom prst="rect">
+            <a:avLst/>
+          </a:prstGeom>
+          <a:noFill/>
+        </p:spPr>
+        <p:txBody>
+          <a:bodyPr wrap="square" rtlCol="0">
+            <a:spAutoFit/>
+          </a:bodyPr>
+          <a:lstStyle/>
+          <a:p>
+            <a:r>
+              <a:rPr lang="en-US" dirty="0" smtClean="0"/>
+              <a:t>gg</a:t>
+            </a:r>
           </a:p>
         </p:txBody>
       </p:sp>
